--- a/Name and Address Presentation.pptx
+++ b/Name and Address Presentation.pptx
@@ -17,8 +17,9 @@
     <p:sldId id="269" r:id="rId11"/>
     <p:sldId id="268" r:id="rId12"/>
     <p:sldId id="271" r:id="rId13"/>
-    <p:sldId id="270" r:id="rId14"/>
-    <p:sldId id="267" r:id="rId15"/>
+    <p:sldId id="272" r:id="rId14"/>
+    <p:sldId id="270" r:id="rId15"/>
+    <p:sldId id="267" r:id="rId16"/>
   </p:sldIdLst>
   <p:sldSz cx="12192000" cy="6858000"/>
   <p:notesSz cx="6858000" cy="9144000"/>
@@ -117,7 +118,179 @@
       </a:defRPr>
     </a:lvl9pPr>
   </p:defaultTextStyle>
+  <p:extLst>
+    <p:ext uri="{EFAFB233-063F-42B5-8137-9DF3F51BA10A}">
+      <p15:sldGuideLst xmlns:p15="http://schemas.microsoft.com/office/powerpoint/2012/main"/>
+    </p:ext>
+  </p:extLst>
 </p:presentation>
+</file>
+
+<file path=ppt/changesInfos/changesInfo1.xml><?xml version="1.0" encoding="utf-8"?>
+<pc:chgInfo xmlns:a="http://schemas.openxmlformats.org/drawingml/2006/main" xmlns:r="http://schemas.openxmlformats.org/officeDocument/2006/relationships" xmlns:ac="http://schemas.microsoft.com/office/drawing/2013/main/command" xmlns:pc="http://schemas.microsoft.com/office/powerpoint/2013/main/command">
+  <pc:docChgLst>
+    <pc:chgData name="Md onais Khan" userId="50438db196386884" providerId="LiveId" clId="{E52823C3-F2FC-4E98-8EC0-4542DE3B38B5}"/>
+    <pc:docChg chg="custSel addSld delSld modSld">
+      <pc:chgData name="Md onais Khan" userId="50438db196386884" providerId="LiveId" clId="{E52823C3-F2FC-4E98-8EC0-4542DE3B38B5}" dt="2022-06-28T07:16:23.945" v="219" actId="20577"/>
+      <pc:docMkLst>
+        <pc:docMk/>
+      </pc:docMkLst>
+      <pc:sldChg chg="delSp modSp mod">
+        <pc:chgData name="Md onais Khan" userId="50438db196386884" providerId="LiveId" clId="{E52823C3-F2FC-4E98-8EC0-4542DE3B38B5}" dt="2022-06-28T07:11:50.609" v="43" actId="20577"/>
+        <pc:sldMkLst>
+          <pc:docMk/>
+          <pc:sldMk cId="2415676767" sldId="257"/>
+        </pc:sldMkLst>
+        <pc:spChg chg="mod">
+          <ac:chgData name="Md onais Khan" userId="50438db196386884" providerId="LiveId" clId="{E52823C3-F2FC-4E98-8EC0-4542DE3B38B5}" dt="2022-06-28T07:11:50.609" v="43" actId="20577"/>
+          <ac:spMkLst>
+            <pc:docMk/>
+            <pc:sldMk cId="2415676767" sldId="257"/>
+            <ac:spMk id="10" creationId="{E86ECEBF-2D21-430E-A484-BE0AAFDDAA32}"/>
+          </ac:spMkLst>
+        </pc:spChg>
+        <pc:picChg chg="del">
+          <ac:chgData name="Md onais Khan" userId="50438db196386884" providerId="LiveId" clId="{E52823C3-F2FC-4E98-8EC0-4542DE3B38B5}" dt="2022-06-28T07:11:30.661" v="20" actId="478"/>
+          <ac:picMkLst>
+            <pc:docMk/>
+            <pc:sldMk cId="2415676767" sldId="257"/>
+            <ac:picMk id="17" creationId="{1C6555A2-541A-4931-8F35-60A933405DF7}"/>
+          </ac:picMkLst>
+        </pc:picChg>
+      </pc:sldChg>
+      <pc:sldChg chg="modSp mod">
+        <pc:chgData name="Md onais Khan" userId="50438db196386884" providerId="LiveId" clId="{E52823C3-F2FC-4E98-8EC0-4542DE3B38B5}" dt="2022-06-28T07:11:02.056" v="19" actId="20577"/>
+        <pc:sldMkLst>
+          <pc:docMk/>
+          <pc:sldMk cId="2615118915" sldId="264"/>
+        </pc:sldMkLst>
+        <pc:spChg chg="mod">
+          <ac:chgData name="Md onais Khan" userId="50438db196386884" providerId="LiveId" clId="{E52823C3-F2FC-4E98-8EC0-4542DE3B38B5}" dt="2022-06-28T07:11:02.056" v="19" actId="20577"/>
+          <ac:spMkLst>
+            <pc:docMk/>
+            <pc:sldMk cId="2615118915" sldId="264"/>
+            <ac:spMk id="8" creationId="{8D6A3C02-3C54-44D6-B349-93DE5796FA23}"/>
+          </ac:spMkLst>
+        </pc:spChg>
+      </pc:sldChg>
+      <pc:sldChg chg="modSp add mod">
+        <pc:chgData name="Md onais Khan" userId="50438db196386884" providerId="LiveId" clId="{E52823C3-F2FC-4E98-8EC0-4542DE3B38B5}" dt="2022-06-28T07:16:23.945" v="219" actId="20577"/>
+        <pc:sldMkLst>
+          <pc:docMk/>
+          <pc:sldMk cId="1755368052" sldId="272"/>
+        </pc:sldMkLst>
+        <pc:spChg chg="mod">
+          <ac:chgData name="Md onais Khan" userId="50438db196386884" providerId="LiveId" clId="{E52823C3-F2FC-4E98-8EC0-4542DE3B38B5}" dt="2022-06-28T07:16:23.945" v="219" actId="20577"/>
+          <ac:spMkLst>
+            <pc:docMk/>
+            <pc:sldMk cId="1755368052" sldId="272"/>
+            <ac:spMk id="8" creationId="{8D6A3C02-3C54-44D6-B349-93DE5796FA23}"/>
+          </ac:spMkLst>
+        </pc:spChg>
+      </pc:sldChg>
+      <pc:sldChg chg="new del">
+        <pc:chgData name="Md onais Khan" userId="50438db196386884" providerId="LiveId" clId="{E52823C3-F2FC-4E98-8EC0-4542DE3B38B5}" dt="2022-06-28T07:13:06.227" v="45" actId="2696"/>
+        <pc:sldMkLst>
+          <pc:docMk/>
+          <pc:sldMk cId="2074402683" sldId="272"/>
+        </pc:sldMkLst>
+      </pc:sldChg>
+      <pc:sldChg chg="addSp delSp add del setBg delDesignElem">
+        <pc:chgData name="Md onais Khan" userId="50438db196386884" providerId="LiveId" clId="{E52823C3-F2FC-4E98-8EC0-4542DE3B38B5}" dt="2022-06-28T07:13:31.340" v="92"/>
+        <pc:sldMkLst>
+          <pc:docMk/>
+          <pc:sldMk cId="217236234" sldId="273"/>
+        </pc:sldMkLst>
+        <pc:spChg chg="add del">
+          <ac:chgData name="Md onais Khan" userId="50438db196386884" providerId="LiveId" clId="{E52823C3-F2FC-4E98-8EC0-4542DE3B38B5}" dt="2022-06-28T07:13:31.340" v="92"/>
+          <ac:spMkLst>
+            <pc:docMk/>
+            <pc:sldMk cId="217236234" sldId="273"/>
+            <ac:spMk id="9" creationId="{ABA4FDDF-F59C-428B-8603-3A86D75931AB}"/>
+          </ac:spMkLst>
+        </pc:spChg>
+        <pc:cxnChg chg="add del">
+          <ac:chgData name="Md onais Khan" userId="50438db196386884" providerId="LiveId" clId="{E52823C3-F2FC-4E98-8EC0-4542DE3B38B5}" dt="2022-06-28T07:13:31.340" v="92"/>
+          <ac:cxnSpMkLst>
+            <pc:docMk/>
+            <pc:sldMk cId="217236234" sldId="273"/>
+            <ac:cxnSpMk id="7" creationId="{F209B62C-3402-4623-9A7C-AA048B56F8C3}"/>
+          </ac:cxnSpMkLst>
+        </pc:cxnChg>
+        <pc:cxnChg chg="add del">
+          <ac:chgData name="Md onais Khan" userId="50438db196386884" providerId="LiveId" clId="{E52823C3-F2FC-4E98-8EC0-4542DE3B38B5}" dt="2022-06-28T07:13:31.340" v="92"/>
+          <ac:cxnSpMkLst>
+            <pc:docMk/>
+            <pc:sldMk cId="217236234" sldId="273"/>
+            <ac:cxnSpMk id="11" creationId="{9AE2764D-E1C7-4C0E-A5A4-12411550ABAD}"/>
+          </ac:cxnSpMkLst>
+        </pc:cxnChg>
+      </pc:sldChg>
+      <pc:sldChg chg="addSp delSp add del setBg delDesignElem">
+        <pc:chgData name="Md onais Khan" userId="50438db196386884" providerId="LiveId" clId="{E52823C3-F2FC-4E98-8EC0-4542DE3B38B5}" dt="2022-06-28T07:13:45.668" v="96"/>
+        <pc:sldMkLst>
+          <pc:docMk/>
+          <pc:sldMk cId="539180097" sldId="273"/>
+        </pc:sldMkLst>
+        <pc:spChg chg="add del">
+          <ac:chgData name="Md onais Khan" userId="50438db196386884" providerId="LiveId" clId="{E52823C3-F2FC-4E98-8EC0-4542DE3B38B5}" dt="2022-06-28T07:13:45.668" v="96"/>
+          <ac:spMkLst>
+            <pc:docMk/>
+            <pc:sldMk cId="539180097" sldId="273"/>
+            <ac:spMk id="9" creationId="{ABA4FDDF-F59C-428B-8603-3A86D75931AB}"/>
+          </ac:spMkLst>
+        </pc:spChg>
+        <pc:cxnChg chg="add del">
+          <ac:chgData name="Md onais Khan" userId="50438db196386884" providerId="LiveId" clId="{E52823C3-F2FC-4E98-8EC0-4542DE3B38B5}" dt="2022-06-28T07:13:45.668" v="96"/>
+          <ac:cxnSpMkLst>
+            <pc:docMk/>
+            <pc:sldMk cId="539180097" sldId="273"/>
+            <ac:cxnSpMk id="7" creationId="{F209B62C-3402-4623-9A7C-AA048B56F8C3}"/>
+          </ac:cxnSpMkLst>
+        </pc:cxnChg>
+        <pc:cxnChg chg="add del">
+          <ac:chgData name="Md onais Khan" userId="50438db196386884" providerId="LiveId" clId="{E52823C3-F2FC-4E98-8EC0-4542DE3B38B5}" dt="2022-06-28T07:13:45.668" v="96"/>
+          <ac:cxnSpMkLst>
+            <pc:docMk/>
+            <pc:sldMk cId="539180097" sldId="273"/>
+            <ac:cxnSpMk id="11" creationId="{9AE2764D-E1C7-4C0E-A5A4-12411550ABAD}"/>
+          </ac:cxnSpMkLst>
+        </pc:cxnChg>
+      </pc:sldChg>
+      <pc:sldChg chg="addSp delSp add del setBg delDesignElem">
+        <pc:chgData name="Md onais Khan" userId="50438db196386884" providerId="LiveId" clId="{E52823C3-F2FC-4E98-8EC0-4542DE3B38B5}" dt="2022-06-28T07:13:53.229" v="105"/>
+        <pc:sldMkLst>
+          <pc:docMk/>
+          <pc:sldMk cId="626272158" sldId="273"/>
+        </pc:sldMkLst>
+        <pc:spChg chg="add del">
+          <ac:chgData name="Md onais Khan" userId="50438db196386884" providerId="LiveId" clId="{E52823C3-F2FC-4E98-8EC0-4542DE3B38B5}" dt="2022-06-28T07:13:53.229" v="105"/>
+          <ac:spMkLst>
+            <pc:docMk/>
+            <pc:sldMk cId="626272158" sldId="273"/>
+            <ac:spMk id="9" creationId="{ABA4FDDF-F59C-428B-8603-3A86D75931AB}"/>
+          </ac:spMkLst>
+        </pc:spChg>
+        <pc:cxnChg chg="add del">
+          <ac:chgData name="Md onais Khan" userId="50438db196386884" providerId="LiveId" clId="{E52823C3-F2FC-4E98-8EC0-4542DE3B38B5}" dt="2022-06-28T07:13:53.229" v="105"/>
+          <ac:cxnSpMkLst>
+            <pc:docMk/>
+            <pc:sldMk cId="626272158" sldId="273"/>
+            <ac:cxnSpMk id="7" creationId="{F209B62C-3402-4623-9A7C-AA048B56F8C3}"/>
+          </ac:cxnSpMkLst>
+        </pc:cxnChg>
+        <pc:cxnChg chg="add del">
+          <ac:chgData name="Md onais Khan" userId="50438db196386884" providerId="LiveId" clId="{E52823C3-F2FC-4E98-8EC0-4542DE3B38B5}" dt="2022-06-28T07:13:53.229" v="105"/>
+          <ac:cxnSpMkLst>
+            <pc:docMk/>
+            <pc:sldMk cId="626272158" sldId="273"/>
+            <ac:cxnSpMk id="11" creationId="{9AE2764D-E1C7-4C0E-A5A4-12411550ABAD}"/>
+          </ac:cxnSpMkLst>
+        </pc:cxnChg>
+      </pc:sldChg>
+    </pc:docChg>
+  </pc:docChgLst>
+</pc:chgInfo>
 </file>
 
 <file path=ppt/slideLayouts/slideLayout1.xml><?xml version="1.0" encoding="utf-8"?>
@@ -274,7 +447,7 @@
           <a:p>
             <a:fld id="{0D4E46AA-1EC0-4433-9956-E798E94A6FB7}" type="datetimeFigureOut">
               <a:rPr lang="en-US" smtClean="0"/>
-              <a:t>4/26/2022</a:t>
+              <a:t>6/28/2022</a:t>
             </a:fld>
             <a:endParaRPr lang="en-US"/>
           </a:p>
@@ -472,7 +645,7 @@
           <a:p>
             <a:fld id="{0D4E46AA-1EC0-4433-9956-E798E94A6FB7}" type="datetimeFigureOut">
               <a:rPr lang="en-US" smtClean="0"/>
-              <a:t>4/26/2022</a:t>
+              <a:t>6/28/2022</a:t>
             </a:fld>
             <a:endParaRPr lang="en-US"/>
           </a:p>
@@ -680,7 +853,7 @@
           <a:p>
             <a:fld id="{0D4E46AA-1EC0-4433-9956-E798E94A6FB7}" type="datetimeFigureOut">
               <a:rPr lang="en-US" smtClean="0"/>
-              <a:t>4/26/2022</a:t>
+              <a:t>6/28/2022</a:t>
             </a:fld>
             <a:endParaRPr lang="en-US"/>
           </a:p>
@@ -878,7 +1051,7 @@
           <a:p>
             <a:fld id="{0D4E46AA-1EC0-4433-9956-E798E94A6FB7}" type="datetimeFigureOut">
               <a:rPr lang="en-US" smtClean="0"/>
-              <a:t>4/26/2022</a:t>
+              <a:t>6/28/2022</a:t>
             </a:fld>
             <a:endParaRPr lang="en-US"/>
           </a:p>
@@ -1157,7 +1330,7 @@
           <a:p>
             <a:fld id="{0D4E46AA-1EC0-4433-9956-E798E94A6FB7}" type="datetimeFigureOut">
               <a:rPr lang="en-US" smtClean="0"/>
-              <a:t>4/26/2022</a:t>
+              <a:t>6/28/2022</a:t>
             </a:fld>
             <a:endParaRPr lang="en-US"/>
           </a:p>
@@ -1422,7 +1595,7 @@
           <a:p>
             <a:fld id="{0D4E46AA-1EC0-4433-9956-E798E94A6FB7}" type="datetimeFigureOut">
               <a:rPr lang="en-US" smtClean="0"/>
-              <a:t>4/26/2022</a:t>
+              <a:t>6/28/2022</a:t>
             </a:fld>
             <a:endParaRPr lang="en-US"/>
           </a:p>
@@ -1838,7 +2011,7 @@
           <a:p>
             <a:fld id="{0D4E46AA-1EC0-4433-9956-E798E94A6FB7}" type="datetimeFigureOut">
               <a:rPr lang="en-US" smtClean="0"/>
-              <a:t>4/26/2022</a:t>
+              <a:t>6/28/2022</a:t>
             </a:fld>
             <a:endParaRPr lang="en-US"/>
           </a:p>
@@ -1979,7 +2152,7 @@
           <a:p>
             <a:fld id="{0D4E46AA-1EC0-4433-9956-E798E94A6FB7}" type="datetimeFigureOut">
               <a:rPr lang="en-US" smtClean="0"/>
-              <a:t>4/26/2022</a:t>
+              <a:t>6/28/2022</a:t>
             </a:fld>
             <a:endParaRPr lang="en-US"/>
           </a:p>
@@ -2092,7 +2265,7 @@
           <a:p>
             <a:fld id="{0D4E46AA-1EC0-4433-9956-E798E94A6FB7}" type="datetimeFigureOut">
               <a:rPr lang="en-US" smtClean="0"/>
-              <a:t>4/26/2022</a:t>
+              <a:t>6/28/2022</a:t>
             </a:fld>
             <a:endParaRPr lang="en-US"/>
           </a:p>
@@ -2405,7 +2578,7 @@
           <a:p>
             <a:fld id="{0D4E46AA-1EC0-4433-9956-E798E94A6FB7}" type="datetimeFigureOut">
               <a:rPr lang="en-US" smtClean="0"/>
-              <a:t>4/26/2022</a:t>
+              <a:t>6/28/2022</a:t>
             </a:fld>
             <a:endParaRPr lang="en-US"/>
           </a:p>
@@ -2693,7 +2866,7 @@
           <a:p>
             <a:fld id="{0D4E46AA-1EC0-4433-9956-E798E94A6FB7}" type="datetimeFigureOut">
               <a:rPr lang="en-US" smtClean="0"/>
-              <a:t>4/26/2022</a:t>
+              <a:t>6/28/2022</a:t>
             </a:fld>
             <a:endParaRPr lang="en-US"/>
           </a:p>
@@ -2933,7 +3106,7 @@
             <a:fld id="{0D4E46AA-1EC0-4433-9956-E798E94A6FB7}" type="datetimeFigureOut">
               <a:rPr lang="en-US" smtClean="0"/>
               <a:pPr/>
-              <a:t>4/26/2022</a:t>
+              <a:t>6/28/2022</a:t>
             </a:fld>
             <a:endParaRPr lang="en-US" dirty="0"/>
           </a:p>
@@ -3744,8 +3917,8 @@
         </p:nvSpPr>
         <p:spPr>
           <a:xfrm>
-            <a:off x="7975600" y="307338"/>
-            <a:ext cx="4079240" cy="1754326"/>
+            <a:off x="502918" y="2257356"/>
+            <a:ext cx="11475721" cy="646331"/>
           </a:xfrm>
           <a:prstGeom prst="rect">
             <a:avLst/>
@@ -3758,7 +3931,7 @@
           </a:bodyPr>
           <a:lstStyle/>
           <a:p>
-            <a:pPr algn="r"/>
+            <a:pPr algn="ctr"/>
             <a:r>
               <a:rPr lang="en-US" sz="3600" dirty="0">
                 <a:solidFill>
@@ -3768,39 +3941,6 @@
                 <a:cs typeface="Times New Roman" panose="02020603050405020304" pitchFamily="18" charset="0"/>
               </a:rPr>
               <a:t>Name and Address Parsing </a:t>
-            </a:r>
-          </a:p>
-          <a:p>
-            <a:pPr algn="r"/>
-            <a:r>
-              <a:rPr lang="en-US" sz="3600" dirty="0">
-                <a:solidFill>
-                  <a:schemeClr val="bg1"/>
-                </a:solidFill>
-                <a:latin typeface="Times New Roman" panose="02020603050405020304" pitchFamily="18" charset="0"/>
-                <a:cs typeface="Times New Roman" panose="02020603050405020304" pitchFamily="18" charset="0"/>
-              </a:rPr>
-              <a:t>Dr. </a:t>
-            </a:r>
-            <a:r>
-              <a:rPr lang="en-US" sz="3600" dirty="0" err="1">
-                <a:solidFill>
-                  <a:schemeClr val="bg1"/>
-                </a:solidFill>
-                <a:latin typeface="Times New Roman" panose="02020603050405020304" pitchFamily="18" charset="0"/>
-                <a:cs typeface="Times New Roman" panose="02020603050405020304" pitchFamily="18" charset="0"/>
-              </a:rPr>
-              <a:t>Talburt’s</a:t>
-            </a:r>
-            <a:r>
-              <a:rPr lang="en-US" sz="3600" dirty="0">
-                <a:solidFill>
-                  <a:schemeClr val="bg1"/>
-                </a:solidFill>
-                <a:latin typeface="Times New Roman" panose="02020603050405020304" pitchFamily="18" charset="0"/>
-                <a:cs typeface="Times New Roman" panose="02020603050405020304" pitchFamily="18" charset="0"/>
-              </a:rPr>
-              <a:t> Team</a:t>
             </a:r>
           </a:p>
         </p:txBody>
@@ -3984,42 +4124,6 @@
           </a:p>
         </p:txBody>
       </p:sp>
-      <p:pic>
-        <p:nvPicPr>
-          <p:cNvPr id="17" name="Picture 16" descr="A close-up of a logo&#10;&#10;Description automatically generated with low confidence">
-            <a:extLst>
-              <a:ext uri="{FF2B5EF4-FFF2-40B4-BE49-F238E27FC236}">
-                <a16:creationId xmlns:a16="http://schemas.microsoft.com/office/drawing/2014/main" id="{1C6555A2-541A-4931-8F35-60A933405DF7}"/>
-              </a:ext>
-            </a:extLst>
-          </p:cNvPr>
-          <p:cNvPicPr>
-            <a:picLocks noChangeAspect="1"/>
-          </p:cNvPicPr>
-          <p:nvPr/>
-        </p:nvPicPr>
-        <p:blipFill>
-          <a:blip r:embed="rId2">
-            <a:extLst>
-              <a:ext uri="{28A0092B-C50C-407E-A947-70E740481C1C}">
-                <a14:useLocalDpi xmlns:a14="http://schemas.microsoft.com/office/drawing/2010/main" val="0"/>
-              </a:ext>
-            </a:extLst>
-          </a:blip>
-          <a:stretch>
-            <a:fillRect/>
-          </a:stretch>
-        </p:blipFill>
-        <p:spPr>
-          <a:xfrm>
-            <a:off x="694269" y="686891"/>
-            <a:ext cx="4712087" cy="4712087"/>
-          </a:xfrm>
-          <a:prstGeom prst="rect">
-            <a:avLst/>
-          </a:prstGeom>
-        </p:spPr>
-      </p:pic>
     </p:spTree>
     <p:extLst>
       <p:ext uri="{BB962C8B-B14F-4D97-AF65-F5344CB8AC3E}">
@@ -7394,6 +7498,1282 @@
                 <a:latin typeface="Times New Roman" panose="02020603050405020304" pitchFamily="18" charset="0"/>
                 <a:cs typeface="Times New Roman" panose="02020603050405020304" pitchFamily="18" charset="0"/>
               </a:rPr>
+              <a:t>12</a:t>
+            </a:r>
+          </a:p>
+        </p:txBody>
+      </p:sp>
+      <p:sp>
+        <p:nvSpPr>
+          <p:cNvPr id="13" name="TextBox 12">
+            <a:extLst>
+              <a:ext uri="{FF2B5EF4-FFF2-40B4-BE49-F238E27FC236}">
+                <a16:creationId xmlns:a16="http://schemas.microsoft.com/office/drawing/2014/main" id="{18F61B1A-40E3-4AF4-B163-8A86093413DF}"/>
+              </a:ext>
+            </a:extLst>
+          </p:cNvPr>
+          <p:cNvSpPr txBox="1"/>
+          <p:nvPr/>
+        </p:nvSpPr>
+        <p:spPr>
+          <a:xfrm>
+            <a:off x="1385263" y="6150698"/>
+            <a:ext cx="2089457" cy="584775"/>
+          </a:xfrm>
+          <a:prstGeom prst="rect">
+            <a:avLst/>
+          </a:prstGeom>
+          <a:noFill/>
+        </p:spPr>
+        <p:txBody>
+          <a:bodyPr wrap="square" rtlCol="0">
+            <a:spAutoFit/>
+          </a:bodyPr>
+          <a:lstStyle/>
+          <a:p>
+            <a:pPr algn="r"/>
+            <a:r>
+              <a:rPr lang="en-US" sz="1600" dirty="0">
+                <a:latin typeface="Times New Roman" panose="02020603050405020304" pitchFamily="18" charset="0"/>
+                <a:cs typeface="Times New Roman" panose="02020603050405020304" pitchFamily="18" charset="0"/>
+              </a:rPr>
+              <a:t>Presented by:</a:t>
+            </a:r>
+          </a:p>
+          <a:p>
+            <a:pPr algn="r"/>
+            <a:r>
+              <a:rPr lang="en-US" sz="1600" dirty="0">
+                <a:latin typeface="Times New Roman" panose="02020603050405020304" pitchFamily="18" charset="0"/>
+                <a:cs typeface="Times New Roman" panose="02020603050405020304" pitchFamily="18" charset="0"/>
+              </a:rPr>
+              <a:t>Dr. </a:t>
+            </a:r>
+            <a:r>
+              <a:rPr lang="en-US" sz="1600" dirty="0" err="1">
+                <a:latin typeface="Times New Roman" panose="02020603050405020304" pitchFamily="18" charset="0"/>
+                <a:cs typeface="Times New Roman" panose="02020603050405020304" pitchFamily="18" charset="0"/>
+              </a:rPr>
+              <a:t>Talburt’s</a:t>
+            </a:r>
+            <a:r>
+              <a:rPr lang="en-US" sz="1600" dirty="0">
+                <a:latin typeface="Times New Roman" panose="02020603050405020304" pitchFamily="18" charset="0"/>
+                <a:cs typeface="Times New Roman" panose="02020603050405020304" pitchFamily="18" charset="0"/>
+              </a:rPr>
+              <a:t> Team</a:t>
+            </a:r>
+          </a:p>
+        </p:txBody>
+      </p:sp>
+      <p:sp>
+        <p:nvSpPr>
+          <p:cNvPr id="14" name="TextBox 13">
+            <a:extLst>
+              <a:ext uri="{FF2B5EF4-FFF2-40B4-BE49-F238E27FC236}">
+                <a16:creationId xmlns:a16="http://schemas.microsoft.com/office/drawing/2014/main" id="{86887659-3B58-4360-B22A-B8B8328227D8}"/>
+              </a:ext>
+            </a:extLst>
+          </p:cNvPr>
+          <p:cNvSpPr txBox="1"/>
+          <p:nvPr/>
+        </p:nvSpPr>
+        <p:spPr>
+          <a:xfrm flipH="1">
+            <a:off x="6974838" y="6095995"/>
+            <a:ext cx="5207001" cy="369332"/>
+          </a:xfrm>
+          <a:prstGeom prst="rect">
+            <a:avLst/>
+          </a:prstGeom>
+          <a:noFill/>
+        </p:spPr>
+        <p:txBody>
+          <a:bodyPr wrap="square" rtlCol="0">
+            <a:spAutoFit/>
+          </a:bodyPr>
+          <a:lstStyle/>
+          <a:p>
+            <a:pPr algn="r"/>
+            <a:r>
+              <a:rPr lang="en-US" dirty="0">
+                <a:latin typeface="Times New Roman" panose="02020603050405020304" pitchFamily="18" charset="0"/>
+                <a:cs typeface="Times New Roman" panose="02020603050405020304" pitchFamily="18" charset="0"/>
+              </a:rPr>
+              <a:t>US Address Data Preparation Function (UAP)</a:t>
+            </a:r>
+          </a:p>
+        </p:txBody>
+      </p:sp>
+      <p:sp>
+        <p:nvSpPr>
+          <p:cNvPr id="15" name="TextBox 14">
+            <a:extLst>
+              <a:ext uri="{FF2B5EF4-FFF2-40B4-BE49-F238E27FC236}">
+                <a16:creationId xmlns:a16="http://schemas.microsoft.com/office/drawing/2014/main" id="{18847701-2F0E-4816-A6B1-EF5C340DD19A}"/>
+              </a:ext>
+            </a:extLst>
+          </p:cNvPr>
+          <p:cNvSpPr txBox="1"/>
+          <p:nvPr/>
+        </p:nvSpPr>
+        <p:spPr>
+          <a:xfrm>
+            <a:off x="10119354" y="6476949"/>
+            <a:ext cx="2077723" cy="338554"/>
+          </a:xfrm>
+          <a:prstGeom prst="rect">
+            <a:avLst/>
+          </a:prstGeom>
+          <a:noFill/>
+        </p:spPr>
+        <p:txBody>
+          <a:bodyPr wrap="square" rtlCol="0">
+            <a:spAutoFit/>
+          </a:bodyPr>
+          <a:lstStyle/>
+          <a:p>
+            <a:pPr algn="r"/>
+            <a:r>
+              <a:rPr lang="en-US" sz="1600" dirty="0">
+                <a:latin typeface="Times New Roman" panose="02020603050405020304" pitchFamily="18" charset="0"/>
+                <a:cs typeface="Times New Roman" panose="02020603050405020304" pitchFamily="18" charset="0"/>
+              </a:rPr>
+              <a:t>Date- Apr. 26, 2022</a:t>
+            </a:r>
+          </a:p>
+        </p:txBody>
+      </p:sp>
+      <p:sp>
+        <p:nvSpPr>
+          <p:cNvPr id="2" name="Rectangle 1">
+            <a:extLst>
+              <a:ext uri="{FF2B5EF4-FFF2-40B4-BE49-F238E27FC236}">
+                <a16:creationId xmlns:a16="http://schemas.microsoft.com/office/drawing/2014/main" id="{1BD77FA6-F3EC-4B49-AD6F-B78D98A95BB4}"/>
+              </a:ext>
+            </a:extLst>
+          </p:cNvPr>
+          <p:cNvSpPr/>
+          <p:nvPr/>
+        </p:nvSpPr>
+        <p:spPr>
+          <a:xfrm>
+            <a:off x="0" y="0"/>
+            <a:ext cx="3982720" cy="5993805"/>
+          </a:xfrm>
+          <a:prstGeom prst="rect">
+            <a:avLst/>
+          </a:prstGeom>
+          <a:solidFill>
+            <a:schemeClr val="bg1"/>
+          </a:solidFill>
+        </p:spPr>
+        <p:style>
+          <a:lnRef idx="2">
+            <a:schemeClr val="accent1">
+              <a:shade val="50000"/>
+            </a:schemeClr>
+          </a:lnRef>
+          <a:fillRef idx="1">
+            <a:schemeClr val="accent1"/>
+          </a:fillRef>
+          <a:effectRef idx="0">
+            <a:schemeClr val="accent1"/>
+          </a:effectRef>
+          <a:fontRef idx="minor">
+            <a:schemeClr val="lt1"/>
+          </a:fontRef>
+        </p:style>
+        <p:txBody>
+          <a:bodyPr rtlCol="0" anchor="ctr"/>
+          <a:lstStyle/>
+          <a:p>
+            <a:pPr algn="ctr"/>
+            <a:endParaRPr lang="en-US"/>
+          </a:p>
+        </p:txBody>
+      </p:sp>
+      <p:sp>
+        <p:nvSpPr>
+          <p:cNvPr id="5" name="TextBox 4">
+            <a:extLst>
+              <a:ext uri="{FF2B5EF4-FFF2-40B4-BE49-F238E27FC236}">
+                <a16:creationId xmlns:a16="http://schemas.microsoft.com/office/drawing/2014/main" id="{0028F983-7806-4576-AED5-DCFC690E27FA}"/>
+              </a:ext>
+            </a:extLst>
+          </p:cNvPr>
+          <p:cNvSpPr txBox="1"/>
+          <p:nvPr/>
+        </p:nvSpPr>
+        <p:spPr>
+          <a:xfrm>
+            <a:off x="147318" y="425420"/>
+            <a:ext cx="3835402" cy="4801314"/>
+          </a:xfrm>
+          <a:prstGeom prst="rect">
+            <a:avLst/>
+          </a:prstGeom>
+          <a:noFill/>
+        </p:spPr>
+        <p:txBody>
+          <a:bodyPr wrap="square" rtlCol="0">
+            <a:spAutoFit/>
+          </a:bodyPr>
+          <a:lstStyle/>
+          <a:p>
+            <a:r>
+              <a:rPr lang="en-US" dirty="0">
+                <a:solidFill>
+                  <a:schemeClr val="tx2"/>
+                </a:solidFill>
+                <a:latin typeface="Times New Roman" panose="02020603050405020304" pitchFamily="18" charset="0"/>
+                <a:cs typeface="Times New Roman" panose="02020603050405020304" pitchFamily="18" charset="0"/>
+              </a:rPr>
+              <a:t>CONTENT:</a:t>
+            </a:r>
+          </a:p>
+          <a:p>
+            <a:endParaRPr lang="en-US" dirty="0">
+              <a:solidFill>
+                <a:schemeClr val="accent2"/>
+              </a:solidFill>
+              <a:latin typeface="Times New Roman" panose="02020603050405020304" pitchFamily="18" charset="0"/>
+              <a:cs typeface="Times New Roman" panose="02020603050405020304" pitchFamily="18" charset="0"/>
+            </a:endParaRPr>
+          </a:p>
+          <a:p>
+            <a:pPr marL="342900" indent="-342900">
+              <a:buAutoNum type="arabicPeriod"/>
+            </a:pPr>
+            <a:r>
+              <a:rPr lang="en-US" dirty="0">
+                <a:solidFill>
+                  <a:schemeClr val="tx2"/>
+                </a:solidFill>
+                <a:latin typeface="Times New Roman" panose="02020603050405020304" pitchFamily="18" charset="0"/>
+                <a:cs typeface="Times New Roman" panose="02020603050405020304" pitchFamily="18" charset="0"/>
+              </a:rPr>
+              <a:t>Name and Address Parser Approach</a:t>
+            </a:r>
+          </a:p>
+          <a:p>
+            <a:pPr marL="342900" indent="-342900">
+              <a:buAutoNum type="arabicPeriod"/>
+            </a:pPr>
+            <a:r>
+              <a:rPr lang="en-US" dirty="0">
+                <a:latin typeface="Times New Roman" panose="02020603050405020304" pitchFamily="18" charset="0"/>
+                <a:cs typeface="Times New Roman" panose="02020603050405020304" pitchFamily="18" charset="0"/>
+              </a:rPr>
+              <a:t>Technologies Used</a:t>
+            </a:r>
+          </a:p>
+          <a:p>
+            <a:pPr marL="342900" indent="-342900">
+              <a:buAutoNum type="arabicPeriod"/>
+            </a:pPr>
+            <a:r>
+              <a:rPr lang="en-US" dirty="0">
+                <a:solidFill>
+                  <a:schemeClr val="tx2"/>
+                </a:solidFill>
+                <a:latin typeface="Times New Roman" panose="02020603050405020304" pitchFamily="18" charset="0"/>
+                <a:cs typeface="Times New Roman" panose="02020603050405020304" pitchFamily="18" charset="0"/>
+              </a:rPr>
+              <a:t>Steps in Name and Address Parsing</a:t>
+            </a:r>
+          </a:p>
+          <a:p>
+            <a:pPr marL="342900" indent="-342900">
+              <a:buAutoNum type="arabicPeriod"/>
+            </a:pPr>
+            <a:r>
+              <a:rPr lang="en-US" dirty="0">
+                <a:solidFill>
+                  <a:schemeClr val="tx2"/>
+                </a:solidFill>
+                <a:latin typeface="Times New Roman" panose="02020603050405020304" pitchFamily="18" charset="0"/>
+                <a:cs typeface="Times New Roman" panose="02020603050405020304" pitchFamily="18" charset="0"/>
+              </a:rPr>
+              <a:t>Step 1- Name and Address Parsing</a:t>
+            </a:r>
+          </a:p>
+          <a:p>
+            <a:pPr marL="342900" indent="-342900">
+              <a:buAutoNum type="arabicPeriod"/>
+            </a:pPr>
+            <a:r>
+              <a:rPr lang="en-US" dirty="0">
+                <a:solidFill>
+                  <a:schemeClr val="tx2"/>
+                </a:solidFill>
+                <a:latin typeface="Times New Roman" panose="02020603050405020304" pitchFamily="18" charset="0"/>
+                <a:cs typeface="Times New Roman" panose="02020603050405020304" pitchFamily="18" charset="0"/>
+              </a:rPr>
+              <a:t>What is Mask??</a:t>
+            </a:r>
+          </a:p>
+          <a:p>
+            <a:pPr marL="342900" indent="-342900">
+              <a:buAutoNum type="arabicPeriod"/>
+            </a:pPr>
+            <a:r>
+              <a:rPr lang="en-US" dirty="0">
+                <a:solidFill>
+                  <a:schemeClr val="tx2"/>
+                </a:solidFill>
+                <a:latin typeface="Times New Roman" panose="02020603050405020304" pitchFamily="18" charset="0"/>
+                <a:cs typeface="Times New Roman" panose="02020603050405020304" pitchFamily="18" charset="0"/>
+              </a:rPr>
+              <a:t>Example</a:t>
+            </a:r>
+          </a:p>
+          <a:p>
+            <a:pPr marL="342900" indent="-342900">
+              <a:buAutoNum type="arabicPeriod"/>
+            </a:pPr>
+            <a:r>
+              <a:rPr lang="en-US" dirty="0">
+                <a:solidFill>
+                  <a:schemeClr val="tx2"/>
+                </a:solidFill>
+                <a:latin typeface="Times New Roman" panose="02020603050405020304" pitchFamily="18" charset="0"/>
+                <a:cs typeface="Times New Roman" panose="02020603050405020304" pitchFamily="18" charset="0"/>
+              </a:rPr>
+              <a:t>Cleaning and Tokenizing</a:t>
+            </a:r>
+          </a:p>
+          <a:p>
+            <a:pPr marL="342900" indent="-342900">
+              <a:buAutoNum type="arabicPeriod"/>
+            </a:pPr>
+            <a:r>
+              <a:rPr lang="en-US" dirty="0">
+                <a:solidFill>
+                  <a:schemeClr val="tx2"/>
+                </a:solidFill>
+                <a:latin typeface="Times New Roman" panose="02020603050405020304" pitchFamily="18" charset="0"/>
+                <a:cs typeface="Times New Roman" panose="02020603050405020304" pitchFamily="18" charset="0"/>
+              </a:rPr>
+              <a:t>Getting the Tokens and Generating the Masks</a:t>
+            </a:r>
+          </a:p>
+          <a:p>
+            <a:pPr marL="342900" indent="-342900">
+              <a:buAutoNum type="arabicPeriod"/>
+            </a:pPr>
+            <a:r>
+              <a:rPr lang="en-US" dirty="0">
+                <a:solidFill>
+                  <a:schemeClr val="tx2"/>
+                </a:solidFill>
+                <a:latin typeface="Times New Roman" panose="02020603050405020304" pitchFamily="18" charset="0"/>
+                <a:cs typeface="Times New Roman" panose="02020603050405020304" pitchFamily="18" charset="0"/>
+              </a:rPr>
+              <a:t>Mask</a:t>
+            </a:r>
+          </a:p>
+          <a:p>
+            <a:pPr marL="342900" indent="-342900">
+              <a:buAutoNum type="arabicPeriod"/>
+            </a:pPr>
+            <a:r>
+              <a:rPr lang="en-US" dirty="0">
+                <a:solidFill>
+                  <a:schemeClr val="tx2"/>
+                </a:solidFill>
+                <a:latin typeface="Times New Roman" panose="02020603050405020304" pitchFamily="18" charset="0"/>
+                <a:cs typeface="Times New Roman" panose="02020603050405020304" pitchFamily="18" charset="0"/>
+              </a:rPr>
+              <a:t>Final Sub Step (Dictionaries)</a:t>
+            </a:r>
+          </a:p>
+          <a:p>
+            <a:pPr marL="342900" indent="-342900">
+              <a:buAutoNum type="arabicPeriod"/>
+            </a:pPr>
+            <a:r>
+              <a:rPr lang="en-US" dirty="0">
+                <a:solidFill>
+                  <a:schemeClr val="accent2"/>
+                </a:solidFill>
+                <a:latin typeface="Times New Roman" panose="02020603050405020304" pitchFamily="18" charset="0"/>
+                <a:cs typeface="Times New Roman" panose="02020603050405020304" pitchFamily="18" charset="0"/>
+              </a:rPr>
+              <a:t>Step 1 – Final</a:t>
+            </a:r>
+          </a:p>
+          <a:p>
+            <a:pPr marL="342900" indent="-342900">
+              <a:buAutoNum type="arabicPeriod"/>
+            </a:pPr>
+            <a:r>
+              <a:rPr lang="en-US" dirty="0">
+                <a:solidFill>
+                  <a:schemeClr val="tx2"/>
+                </a:solidFill>
+                <a:latin typeface="Times New Roman" panose="02020603050405020304" pitchFamily="18" charset="0"/>
+                <a:cs typeface="Times New Roman" panose="02020603050405020304" pitchFamily="18" charset="0"/>
+              </a:rPr>
+              <a:t>Step 2</a:t>
+            </a:r>
+          </a:p>
+          <a:p>
+            <a:pPr marL="342900" indent="-342900">
+              <a:buAutoNum type="arabicPeriod"/>
+            </a:pPr>
+            <a:r>
+              <a:rPr lang="en-US" dirty="0">
+                <a:solidFill>
+                  <a:schemeClr val="tx2"/>
+                </a:solidFill>
+                <a:latin typeface="Times New Roman" panose="02020603050405020304" pitchFamily="18" charset="0"/>
+                <a:cs typeface="Times New Roman" panose="02020603050405020304" pitchFamily="18" charset="0"/>
+              </a:rPr>
+              <a:t>Parsing</a:t>
+            </a:r>
+          </a:p>
+          <a:p>
+            <a:endParaRPr lang="en-US" dirty="0">
+              <a:solidFill>
+                <a:schemeClr val="accent2"/>
+              </a:solidFill>
+              <a:latin typeface="Times New Roman" panose="02020603050405020304" pitchFamily="18" charset="0"/>
+              <a:cs typeface="Times New Roman" panose="02020603050405020304" pitchFamily="18" charset="0"/>
+            </a:endParaRPr>
+          </a:p>
+        </p:txBody>
+      </p:sp>
+      <p:sp>
+        <p:nvSpPr>
+          <p:cNvPr id="8" name="TextBox 7">
+            <a:extLst>
+              <a:ext uri="{FF2B5EF4-FFF2-40B4-BE49-F238E27FC236}">
+                <a16:creationId xmlns:a16="http://schemas.microsoft.com/office/drawing/2014/main" id="{8D6A3C02-3C54-44D6-B349-93DE5796FA23}"/>
+              </a:ext>
+            </a:extLst>
+          </p:cNvPr>
+          <p:cNvSpPr txBox="1"/>
+          <p:nvPr/>
+        </p:nvSpPr>
+        <p:spPr>
+          <a:xfrm>
+            <a:off x="4056378" y="877332"/>
+            <a:ext cx="7757162" cy="6986528"/>
+          </a:xfrm>
+          <a:prstGeom prst="rect">
+            <a:avLst/>
+          </a:prstGeom>
+          <a:noFill/>
+        </p:spPr>
+        <p:txBody>
+          <a:bodyPr wrap="square" rtlCol="0">
+            <a:spAutoFit/>
+          </a:bodyPr>
+          <a:lstStyle/>
+          <a:p>
+            <a:pPr marL="285750" indent="-285750">
+              <a:buFont typeface="Arial" panose="020B0604020202020204" pitchFamily="34" charset="0"/>
+              <a:buChar char="•"/>
+            </a:pPr>
+            <a:r>
+              <a:rPr lang="en-IN" sz="1600" dirty="0">
+                <a:solidFill>
+                  <a:schemeClr val="bg1"/>
+                </a:solidFill>
+                <a:latin typeface="Times New Roman" panose="02020603050405020304" pitchFamily="18" charset="0"/>
+                <a:cs typeface="Times New Roman" panose="02020603050405020304" pitchFamily="18" charset="0"/>
+              </a:rPr>
+              <a:t>For Example  If the Address is in this format </a:t>
+            </a:r>
+          </a:p>
+          <a:p>
+            <a:pPr marL="285750" indent="-285750">
+              <a:buFont typeface="Arial" panose="020B0604020202020204" pitchFamily="34" charset="0"/>
+              <a:buChar char="•"/>
+            </a:pPr>
+            <a:endParaRPr lang="en-IN" sz="1600" dirty="0">
+              <a:solidFill>
+                <a:schemeClr val="bg1"/>
+              </a:solidFill>
+              <a:latin typeface="Times New Roman" panose="02020603050405020304" pitchFamily="18" charset="0"/>
+              <a:cs typeface="Times New Roman" panose="02020603050405020304" pitchFamily="18" charset="0"/>
+            </a:endParaRPr>
+          </a:p>
+          <a:p>
+            <a:pPr marL="285750" indent="-285750">
+              <a:buFont typeface="Arial" panose="020B0604020202020204" pitchFamily="34" charset="0"/>
+              <a:buChar char="•"/>
+            </a:pPr>
+            <a:r>
+              <a:rPr lang="en-US" sz="1600" dirty="0">
+                <a:solidFill>
+                  <a:schemeClr val="bg1"/>
+                </a:solidFill>
+                <a:latin typeface="Times New Roman" panose="02020603050405020304" pitchFamily="18" charset="0"/>
+                <a:cs typeface="Times New Roman" panose="02020603050405020304" pitchFamily="18" charset="0"/>
+              </a:rPr>
+              <a:t>684|Mrs. Zachary Collins , Jr, QA, 12167 KATHERWOOD ST, SPRING HILL ,FL 34608</a:t>
+            </a:r>
+          </a:p>
+          <a:p>
+            <a:pPr marL="285750" indent="-285750">
+              <a:buFont typeface="Arial" panose="020B0604020202020204" pitchFamily="34" charset="0"/>
+              <a:buChar char="•"/>
+            </a:pPr>
+            <a:r>
+              <a:rPr lang="en-IN" sz="1600">
+                <a:solidFill>
+                  <a:schemeClr val="bg1"/>
+                </a:solidFill>
+                <a:latin typeface="Times New Roman" panose="02020603050405020304" pitchFamily="18" charset="0"/>
+                <a:cs typeface="Times New Roman" panose="02020603050405020304" pitchFamily="18" charset="0"/>
+              </a:rPr>
+              <a:t> Then </a:t>
+            </a:r>
+            <a:r>
+              <a:rPr lang="en-IN" sz="1600" dirty="0">
+                <a:solidFill>
+                  <a:schemeClr val="bg1"/>
+                </a:solidFill>
+                <a:latin typeface="Times New Roman" panose="02020603050405020304" pitchFamily="18" charset="0"/>
+                <a:cs typeface="Times New Roman" panose="02020603050405020304" pitchFamily="18" charset="0"/>
+              </a:rPr>
+              <a:t>the output will be as </a:t>
+            </a:r>
+          </a:p>
+          <a:p>
+            <a:pPr marL="285750" indent="-285750">
+              <a:buFont typeface="Arial" panose="020B0604020202020204" pitchFamily="34" charset="0"/>
+              <a:buChar char="•"/>
+            </a:pPr>
+            <a:endParaRPr lang="en-IN" sz="1600" dirty="0">
+              <a:solidFill>
+                <a:schemeClr val="bg1"/>
+              </a:solidFill>
+              <a:latin typeface="Times New Roman" panose="02020603050405020304" pitchFamily="18" charset="0"/>
+              <a:cs typeface="Times New Roman" panose="02020603050405020304" pitchFamily="18" charset="0"/>
+            </a:endParaRPr>
+          </a:p>
+          <a:p>
+            <a:r>
+              <a:rPr lang="en-IN" sz="1600" dirty="0">
+                <a:solidFill>
+                  <a:schemeClr val="bg1"/>
+                </a:solidFill>
+                <a:latin typeface="Times New Roman" panose="02020603050405020304" pitchFamily="18" charset="0"/>
+                <a:cs typeface="Times New Roman" panose="02020603050405020304" pitchFamily="18" charset="0"/>
+              </a:rPr>
+              <a:t>The Output Will Be</a:t>
+            </a:r>
+          </a:p>
+          <a:p>
+            <a:r>
+              <a:rPr lang="en-IN" sz="1600" dirty="0">
+                <a:solidFill>
+                  <a:schemeClr val="bg1"/>
+                </a:solidFill>
+                <a:latin typeface="Times New Roman" panose="02020603050405020304" pitchFamily="18" charset="0"/>
+                <a:cs typeface="Times New Roman" panose="02020603050405020304" pitchFamily="18" charset="0"/>
+              </a:rPr>
+              <a:t>"Name": {      </a:t>
+            </a:r>
+          </a:p>
+          <a:p>
+            <a:r>
+              <a:rPr lang="en-IN" sz="1600" dirty="0">
+                <a:solidFill>
+                  <a:schemeClr val="bg1"/>
+                </a:solidFill>
+                <a:latin typeface="Times New Roman" panose="02020603050405020304" pitchFamily="18" charset="0"/>
+                <a:cs typeface="Times New Roman" panose="02020603050405020304" pitchFamily="18" charset="0"/>
+              </a:rPr>
+              <a:t>                "Prefix Title": "MRS",</a:t>
+            </a:r>
+          </a:p>
+          <a:p>
+            <a:r>
+              <a:rPr lang="en-IN" sz="1600" dirty="0">
+                <a:solidFill>
+                  <a:schemeClr val="bg1"/>
+                </a:solidFill>
+                <a:latin typeface="Times New Roman" panose="02020603050405020304" pitchFamily="18" charset="0"/>
+                <a:cs typeface="Times New Roman" panose="02020603050405020304" pitchFamily="18" charset="0"/>
+              </a:rPr>
+              <a:t>                "Given Name": "ZACHARY",</a:t>
+            </a:r>
+          </a:p>
+          <a:p>
+            <a:r>
+              <a:rPr lang="en-IN" sz="1600" dirty="0">
+                <a:solidFill>
+                  <a:schemeClr val="bg1"/>
+                </a:solidFill>
+                <a:latin typeface="Times New Roman" panose="02020603050405020304" pitchFamily="18" charset="0"/>
+                <a:cs typeface="Times New Roman" panose="02020603050405020304" pitchFamily="18" charset="0"/>
+              </a:rPr>
+              <a:t>                "Surname": "COLLINS",</a:t>
+            </a:r>
+          </a:p>
+          <a:p>
+            <a:r>
+              <a:rPr lang="en-IN" sz="1600" dirty="0">
+                <a:solidFill>
+                  <a:schemeClr val="bg1"/>
+                </a:solidFill>
+                <a:latin typeface="Times New Roman" panose="02020603050405020304" pitchFamily="18" charset="0"/>
+                <a:cs typeface="Times New Roman" panose="02020603050405020304" pitchFamily="18" charset="0"/>
+              </a:rPr>
+              <a:t>                "Generational Suffix": "JR",</a:t>
+            </a:r>
+          </a:p>
+          <a:p>
+            <a:r>
+              <a:rPr lang="en-IN" sz="1600" dirty="0">
+                <a:solidFill>
+                  <a:schemeClr val="bg1"/>
+                </a:solidFill>
+                <a:latin typeface="Times New Roman" panose="02020603050405020304" pitchFamily="18" charset="0"/>
+                <a:cs typeface="Times New Roman" panose="02020603050405020304" pitchFamily="18" charset="0"/>
+              </a:rPr>
+              <a:t>                "Suffix Title": "QA"</a:t>
+            </a:r>
+          </a:p>
+          <a:p>
+            <a:r>
+              <a:rPr lang="en-IN" sz="1600" dirty="0">
+                <a:solidFill>
+                  <a:schemeClr val="bg1"/>
+                </a:solidFill>
+                <a:latin typeface="Times New Roman" panose="02020603050405020304" pitchFamily="18" charset="0"/>
+                <a:cs typeface="Times New Roman" panose="02020603050405020304" pitchFamily="18" charset="0"/>
+              </a:rPr>
+              <a:t>            },</a:t>
+            </a:r>
+          </a:p>
+          <a:p>
+            <a:r>
+              <a:rPr lang="en-IN" sz="1600" dirty="0">
+                <a:solidFill>
+                  <a:schemeClr val="bg1"/>
+                </a:solidFill>
+                <a:latin typeface="Times New Roman" panose="02020603050405020304" pitchFamily="18" charset="0"/>
+                <a:cs typeface="Times New Roman" panose="02020603050405020304" pitchFamily="18" charset="0"/>
+              </a:rPr>
+              <a:t> "Address": {  "USAD_SNO": "12167",</a:t>
+            </a:r>
+          </a:p>
+          <a:p>
+            <a:r>
+              <a:rPr lang="en-IN" sz="1600" dirty="0">
+                <a:solidFill>
+                  <a:schemeClr val="bg1"/>
+                </a:solidFill>
+                <a:latin typeface="Times New Roman" panose="02020603050405020304" pitchFamily="18" charset="0"/>
+                <a:cs typeface="Times New Roman" panose="02020603050405020304" pitchFamily="18" charset="0"/>
+              </a:rPr>
+              <a:t>               	 "USAD_SNM": "KATHERWOOD",</a:t>
+            </a:r>
+          </a:p>
+          <a:p>
+            <a:r>
+              <a:rPr lang="en-IN" sz="1600" dirty="0">
+                <a:solidFill>
+                  <a:schemeClr val="bg1"/>
+                </a:solidFill>
+                <a:latin typeface="Times New Roman" panose="02020603050405020304" pitchFamily="18" charset="0"/>
+                <a:cs typeface="Times New Roman" panose="02020603050405020304" pitchFamily="18" charset="0"/>
+              </a:rPr>
+              <a:t>                	"USAD_SFX": "ST",</a:t>
+            </a:r>
+          </a:p>
+          <a:p>
+            <a:r>
+              <a:rPr lang="en-IN" sz="1600" dirty="0">
+                <a:solidFill>
+                  <a:schemeClr val="bg1"/>
+                </a:solidFill>
+                <a:latin typeface="Times New Roman" panose="02020603050405020304" pitchFamily="18" charset="0"/>
+                <a:cs typeface="Times New Roman" panose="02020603050405020304" pitchFamily="18" charset="0"/>
+              </a:rPr>
+              <a:t>                	"USAD_CTY": "SPRING HILL",</a:t>
+            </a:r>
+          </a:p>
+          <a:p>
+            <a:r>
+              <a:rPr lang="en-IN" sz="1600" dirty="0">
+                <a:solidFill>
+                  <a:schemeClr val="bg1"/>
+                </a:solidFill>
+                <a:latin typeface="Times New Roman" panose="02020603050405020304" pitchFamily="18" charset="0"/>
+                <a:cs typeface="Times New Roman" panose="02020603050405020304" pitchFamily="18" charset="0"/>
+              </a:rPr>
+              <a:t>                	"USAD_STA": "FL",</a:t>
+            </a:r>
+          </a:p>
+          <a:p>
+            <a:r>
+              <a:rPr lang="en-IN" sz="1600" dirty="0">
+                <a:solidFill>
+                  <a:schemeClr val="bg1"/>
+                </a:solidFill>
+                <a:latin typeface="Times New Roman" panose="02020603050405020304" pitchFamily="18" charset="0"/>
+                <a:cs typeface="Times New Roman" panose="02020603050405020304" pitchFamily="18" charset="0"/>
+              </a:rPr>
+              <a:t>                	"USAD_ZIP": "34608"</a:t>
+            </a:r>
+          </a:p>
+          <a:p>
+            <a:r>
+              <a:rPr lang="en-IN" sz="1600" dirty="0">
+                <a:solidFill>
+                  <a:schemeClr val="bg1"/>
+                </a:solidFill>
+                <a:latin typeface="Times New Roman" panose="02020603050405020304" pitchFamily="18" charset="0"/>
+                <a:cs typeface="Times New Roman" panose="02020603050405020304" pitchFamily="18" charset="0"/>
+              </a:rPr>
+              <a:t>            	}</a:t>
+            </a:r>
+          </a:p>
+          <a:p>
+            <a:pPr marL="285750" indent="-285750">
+              <a:buFont typeface="Arial" panose="020B0604020202020204" pitchFamily="34" charset="0"/>
+              <a:buChar char="•"/>
+            </a:pPr>
+            <a:endParaRPr lang="en-IN" sz="1600" dirty="0">
+              <a:solidFill>
+                <a:schemeClr val="bg1"/>
+              </a:solidFill>
+              <a:latin typeface="Times New Roman" panose="02020603050405020304" pitchFamily="18" charset="0"/>
+              <a:cs typeface="Times New Roman" panose="02020603050405020304" pitchFamily="18" charset="0"/>
+            </a:endParaRPr>
+          </a:p>
+          <a:p>
+            <a:pPr marL="285750" indent="-285750">
+              <a:buFont typeface="Arial" panose="020B0604020202020204" pitchFamily="34" charset="0"/>
+              <a:buChar char="•"/>
+            </a:pPr>
+            <a:endParaRPr lang="en-IN" sz="1600" dirty="0">
+              <a:solidFill>
+                <a:schemeClr val="bg1"/>
+              </a:solidFill>
+              <a:latin typeface="Times New Roman" panose="02020603050405020304" pitchFamily="18" charset="0"/>
+              <a:cs typeface="Times New Roman" panose="02020603050405020304" pitchFamily="18" charset="0"/>
+            </a:endParaRPr>
+          </a:p>
+          <a:p>
+            <a:pPr marL="285750" indent="-285750">
+              <a:buFont typeface="Arial" panose="020B0604020202020204" pitchFamily="34" charset="0"/>
+              <a:buChar char="•"/>
+            </a:pPr>
+            <a:endParaRPr lang="en-IN" sz="1600" dirty="0">
+              <a:solidFill>
+                <a:schemeClr val="bg1"/>
+              </a:solidFill>
+              <a:latin typeface="Times New Roman" panose="02020603050405020304" pitchFamily="18" charset="0"/>
+              <a:cs typeface="Times New Roman" panose="02020603050405020304" pitchFamily="18" charset="0"/>
+            </a:endParaRPr>
+          </a:p>
+          <a:p>
+            <a:pPr marL="285750" indent="-285750">
+              <a:buFont typeface="Arial" panose="020B0604020202020204" pitchFamily="34" charset="0"/>
+              <a:buChar char="•"/>
+            </a:pPr>
+            <a:endParaRPr lang="en-IN" sz="1600" dirty="0">
+              <a:solidFill>
+                <a:schemeClr val="bg1"/>
+              </a:solidFill>
+              <a:latin typeface="Times New Roman" panose="02020603050405020304" pitchFamily="18" charset="0"/>
+              <a:cs typeface="Times New Roman" panose="02020603050405020304" pitchFamily="18" charset="0"/>
+            </a:endParaRPr>
+          </a:p>
+          <a:p>
+            <a:pPr marL="285750" indent="-285750">
+              <a:buFont typeface="Arial" panose="020B0604020202020204" pitchFamily="34" charset="0"/>
+              <a:buChar char="•"/>
+            </a:pPr>
+            <a:endParaRPr lang="en-IN" sz="1600" dirty="0">
+              <a:solidFill>
+                <a:schemeClr val="bg1"/>
+              </a:solidFill>
+              <a:latin typeface="Times New Roman" panose="02020603050405020304" pitchFamily="18" charset="0"/>
+              <a:cs typeface="Times New Roman" panose="02020603050405020304" pitchFamily="18" charset="0"/>
+            </a:endParaRPr>
+          </a:p>
+          <a:p>
+            <a:pPr marL="285750" indent="-285750">
+              <a:buFont typeface="Arial" panose="020B0604020202020204" pitchFamily="34" charset="0"/>
+              <a:buChar char="•"/>
+            </a:pPr>
+            <a:endParaRPr lang="en-IN" sz="1600" dirty="0">
+              <a:solidFill>
+                <a:schemeClr val="bg1"/>
+              </a:solidFill>
+              <a:latin typeface="Times New Roman" panose="02020603050405020304" pitchFamily="18" charset="0"/>
+              <a:cs typeface="Times New Roman" panose="02020603050405020304" pitchFamily="18" charset="0"/>
+            </a:endParaRPr>
+          </a:p>
+        </p:txBody>
+      </p:sp>
+      <p:sp>
+        <p:nvSpPr>
+          <p:cNvPr id="16" name="Rectangle 15">
+            <a:extLst>
+              <a:ext uri="{FF2B5EF4-FFF2-40B4-BE49-F238E27FC236}">
+                <a16:creationId xmlns:a16="http://schemas.microsoft.com/office/drawing/2014/main" id="{42E92412-CC35-4152-B9B3-09663573BB25}"/>
+              </a:ext>
+            </a:extLst>
+          </p:cNvPr>
+          <p:cNvSpPr/>
+          <p:nvPr/>
+        </p:nvSpPr>
+        <p:spPr>
+          <a:xfrm>
+            <a:off x="6451600" y="254000"/>
+            <a:ext cx="5740400" cy="369332"/>
+          </a:xfrm>
+          <a:prstGeom prst="rect">
+            <a:avLst/>
+          </a:prstGeom>
+          <a:solidFill>
+            <a:schemeClr val="bg1"/>
+          </a:solidFill>
+        </p:spPr>
+        <p:style>
+          <a:lnRef idx="2">
+            <a:schemeClr val="accent1">
+              <a:shade val="50000"/>
+            </a:schemeClr>
+          </a:lnRef>
+          <a:fillRef idx="1">
+            <a:schemeClr val="accent1"/>
+          </a:fillRef>
+          <a:effectRef idx="0">
+            <a:schemeClr val="accent1"/>
+          </a:effectRef>
+          <a:fontRef idx="minor">
+            <a:schemeClr val="lt1"/>
+          </a:fontRef>
+        </p:style>
+        <p:txBody>
+          <a:bodyPr rtlCol="0" anchor="ctr"/>
+          <a:lstStyle/>
+          <a:p>
+            <a:r>
+              <a:rPr lang="en-US" sz="2800" dirty="0">
+                <a:solidFill>
+                  <a:schemeClr val="tx2"/>
+                </a:solidFill>
+                <a:latin typeface="Times New Roman" panose="02020603050405020304" pitchFamily="18" charset="0"/>
+                <a:cs typeface="Times New Roman" panose="02020603050405020304" pitchFamily="18" charset="0"/>
+              </a:rPr>
+              <a:t>Name and Address Parsing</a:t>
+            </a:r>
+          </a:p>
+        </p:txBody>
+      </p:sp>
+    </p:spTree>
+    <p:extLst>
+      <p:ext uri="{BB962C8B-B14F-4D97-AF65-F5344CB8AC3E}">
+        <p14:creationId xmlns:p14="http://schemas.microsoft.com/office/powerpoint/2010/main" val="1755368052"/>
+      </p:ext>
+    </p:extLst>
+  </p:cSld>
+  <p:clrMapOvr>
+    <a:masterClrMapping/>
+  </p:clrMapOvr>
+</p:sld>
+</file>
+
+<file path=ppt/slides/slide14.xml><?xml version="1.0" encoding="utf-8"?>
+<p:sld xmlns:a="http://schemas.openxmlformats.org/drawingml/2006/main" xmlns:r="http://schemas.openxmlformats.org/officeDocument/2006/relationships" xmlns:p="http://schemas.openxmlformats.org/presentationml/2006/main">
+  <p:cSld>
+    <p:bg>
+      <p:bgPr>
+        <a:solidFill>
+          <a:schemeClr val="bg2">
+            <a:lumMod val="25000"/>
+          </a:schemeClr>
+        </a:solidFill>
+        <a:effectLst/>
+      </p:bgPr>
+    </p:bg>
+    <p:spTree>
+      <p:nvGrpSpPr>
+        <p:cNvPr id="1" name=""/>
+        <p:cNvGrpSpPr/>
+        <p:nvPr/>
+      </p:nvGrpSpPr>
+      <p:grpSpPr>
+        <a:xfrm>
+          <a:off x="0" y="0"/>
+          <a:ext cx="0" cy="0"/>
+          <a:chOff x="0" y="0"/>
+          <a:chExt cx="0" cy="0"/>
+        </a:xfrm>
+      </p:grpSpPr>
+      <p:cxnSp>
+        <p:nvCxnSpPr>
+          <p:cNvPr id="7" name="Straight Connector 6">
+            <a:extLst>
+              <a:ext uri="{FF2B5EF4-FFF2-40B4-BE49-F238E27FC236}">
+                <a16:creationId xmlns:a16="http://schemas.microsoft.com/office/drawing/2014/main" id="{F209B62C-3402-4623-9A7C-AA048B56F8C3}"/>
+              </a:ext>
+              <a:ext uri="{C183D7F6-B498-43B3-948B-1728B52AA6E4}">
+                <adec:decorative xmlns:adec="http://schemas.microsoft.com/office/drawing/2017/decorative" val="1"/>
+              </a:ext>
+            </a:extLst>
+          </p:cNvPr>
+          <p:cNvCxnSpPr>
+            <a:cxnSpLocks noGrp="1" noRot="1" noChangeAspect="1" noMove="1" noResize="1" noEditPoints="1" noAdjustHandles="1" noChangeArrowheads="1" noChangeShapeType="1"/>
+          </p:cNvCxnSpPr>
+          <p:nvPr>
+            <p:extLst>
+              <p:ext uri="{386F3935-93C4-4BCD-93E2-E3B085C9AB24}">
+                <p16:designElem xmlns:p16="http://schemas.microsoft.com/office/powerpoint/2015/main" val="1"/>
+              </p:ext>
+            </p:extLst>
+          </p:nvPr>
+        </p:nvCxnSpPr>
+        <p:spPr>
+          <a:xfrm>
+            <a:off x="990600" y="1031001"/>
+            <a:ext cx="978862" cy="0"/>
+          </a:xfrm>
+          <a:prstGeom prst="line">
+            <a:avLst/>
+          </a:prstGeom>
+          <a:ln w="76200"/>
+        </p:spPr>
+        <p:style>
+          <a:lnRef idx="1">
+            <a:schemeClr val="accent1"/>
+          </a:lnRef>
+          <a:fillRef idx="0">
+            <a:schemeClr val="accent1"/>
+          </a:fillRef>
+          <a:effectRef idx="0">
+            <a:schemeClr val="accent1"/>
+          </a:effectRef>
+          <a:fontRef idx="minor">
+            <a:schemeClr val="tx1"/>
+          </a:fontRef>
+        </p:style>
+      </p:cxnSp>
+      <p:sp useBgFill="1">
+        <p:nvSpPr>
+          <p:cNvPr id="9" name="Rectangle 8">
+            <a:extLst>
+              <a:ext uri="{FF2B5EF4-FFF2-40B4-BE49-F238E27FC236}">
+                <a16:creationId xmlns:a16="http://schemas.microsoft.com/office/drawing/2014/main" id="{ABA4FDDF-F59C-428B-8603-3A86D75931AB}"/>
+              </a:ext>
+              <a:ext uri="{C183D7F6-B498-43B3-948B-1728B52AA6E4}">
+                <adec:decorative xmlns:adec="http://schemas.microsoft.com/office/drawing/2017/decorative" val="1"/>
+              </a:ext>
+            </a:extLst>
+          </p:cNvPr>
+          <p:cNvSpPr>
+            <a:spLocks noGrp="1" noRot="1" noChangeAspect="1" noMove="1" noResize="1" noEditPoints="1" noAdjustHandles="1" noChangeArrowheads="1" noChangeShapeType="1" noTextEdit="1"/>
+          </p:cNvSpPr>
+          <p:nvPr>
+            <p:extLst>
+              <p:ext uri="{386F3935-93C4-4BCD-93E2-E3B085C9AB24}">
+                <p16:designElem xmlns:p16="http://schemas.microsoft.com/office/powerpoint/2015/main" val="1"/>
+              </p:ext>
+            </p:extLst>
+          </p:nvPr>
+        </p:nvSpPr>
+        <p:spPr>
+          <a:xfrm>
+            <a:off x="0" y="0"/>
+            <a:ext cx="12192000" cy="6858000"/>
+          </a:xfrm>
+          <a:prstGeom prst="rect">
+            <a:avLst/>
+          </a:prstGeom>
+          <a:ln w="12700" cap="flat" cmpd="sng" algn="ctr">
+            <a:noFill/>
+            <a:prstDash val="solid"/>
+            <a:miter lim="800000"/>
+          </a:ln>
+          <a:effectLst/>
+          <a:extLst>
+            <a:ext uri="{91240B29-F687-4F45-9708-019B960494DF}">
+              <a14:hiddenLine xmlns:a14="http://schemas.microsoft.com/office/drawing/2010/main" w="12700" cap="flat" cmpd="sng" algn="ctr">
+                <a:solidFill>
+                  <a:schemeClr val="accent1">
+                    <a:shade val="50000"/>
+                  </a:schemeClr>
+                </a:solidFill>
+                <a:prstDash val="solid"/>
+                <a:miter lim="800000"/>
+              </a14:hiddenLine>
+            </a:ext>
+          </a:extLst>
+        </p:spPr>
+        <p:style>
+          <a:lnRef idx="2">
+            <a:schemeClr val="accent1">
+              <a:shade val="50000"/>
+            </a:schemeClr>
+          </a:lnRef>
+          <a:fillRef idx="1">
+            <a:schemeClr val="accent1"/>
+          </a:fillRef>
+          <a:effectRef idx="0">
+            <a:schemeClr val="accent1"/>
+          </a:effectRef>
+          <a:fontRef idx="minor">
+            <a:schemeClr val="lt1"/>
+          </a:fontRef>
+        </p:style>
+        <p:txBody>
+          <a:bodyPr rtlCol="0" anchor="ctr"/>
+          <a:lstStyle/>
+          <a:p>
+            <a:pPr algn="ctr"/>
+            <a:endParaRPr lang="en-US"/>
+          </a:p>
+        </p:txBody>
+      </p:sp>
+      <p:cxnSp>
+        <p:nvCxnSpPr>
+          <p:cNvPr id="11" name="Straight Connector 10">
+            <a:extLst>
+              <a:ext uri="{FF2B5EF4-FFF2-40B4-BE49-F238E27FC236}">
+                <a16:creationId xmlns:a16="http://schemas.microsoft.com/office/drawing/2014/main" id="{9AE2764D-E1C7-4C0E-A5A4-12411550ABAD}"/>
+              </a:ext>
+              <a:ext uri="{C183D7F6-B498-43B3-948B-1728B52AA6E4}">
+                <adec:decorative xmlns:adec="http://schemas.microsoft.com/office/drawing/2017/decorative" val="1"/>
+              </a:ext>
+            </a:extLst>
+          </p:cNvPr>
+          <p:cNvCxnSpPr>
+            <a:cxnSpLocks noGrp="1" noRot="1" noChangeAspect="1" noMove="1" noResize="1" noEditPoints="1" noAdjustHandles="1" noChangeArrowheads="1" noChangeShapeType="1"/>
+          </p:cNvCxnSpPr>
+          <p:nvPr>
+            <p:extLst>
+              <p:ext uri="{386F3935-93C4-4BCD-93E2-E3B085C9AB24}">
+                <p16:designElem xmlns:p16="http://schemas.microsoft.com/office/powerpoint/2015/main" val="1"/>
+              </p:ext>
+            </p:extLst>
+          </p:nvPr>
+        </p:nvCxnSpPr>
+        <p:spPr>
+          <a:xfrm>
+            <a:off x="0" y="6211766"/>
+            <a:ext cx="11548533" cy="0"/>
+          </a:xfrm>
+          <a:prstGeom prst="line">
+            <a:avLst/>
+          </a:prstGeom>
+          <a:ln w="76200"/>
+        </p:spPr>
+        <p:style>
+          <a:lnRef idx="1">
+            <a:schemeClr val="accent1"/>
+          </a:lnRef>
+          <a:fillRef idx="0">
+            <a:schemeClr val="accent1"/>
+          </a:fillRef>
+          <a:effectRef idx="0">
+            <a:schemeClr val="accent1"/>
+          </a:effectRef>
+          <a:fontRef idx="minor">
+            <a:schemeClr val="tx1"/>
+          </a:fontRef>
+        </p:style>
+      </p:cxnSp>
+      <p:sp>
+        <p:nvSpPr>
+          <p:cNvPr id="6" name="Rectangle 5">
+            <a:extLst>
+              <a:ext uri="{FF2B5EF4-FFF2-40B4-BE49-F238E27FC236}">
+                <a16:creationId xmlns:a16="http://schemas.microsoft.com/office/drawing/2014/main" id="{727B55C5-63BE-4BF7-9403-7DF69C0A42E8}"/>
+              </a:ext>
+            </a:extLst>
+          </p:cNvPr>
+          <p:cNvSpPr/>
+          <p:nvPr/>
+        </p:nvSpPr>
+        <p:spPr>
+          <a:xfrm>
+            <a:off x="0" y="6004559"/>
+            <a:ext cx="12191999" cy="906131"/>
+          </a:xfrm>
+          <a:prstGeom prst="rect">
+            <a:avLst/>
+          </a:prstGeom>
+          <a:solidFill>
+            <a:schemeClr val="bg1"/>
+          </a:solidFill>
+          <a:ln>
+            <a:solidFill>
+              <a:schemeClr val="bg1"/>
+            </a:solidFill>
+          </a:ln>
+        </p:spPr>
+        <p:style>
+          <a:lnRef idx="2">
+            <a:schemeClr val="accent1">
+              <a:shade val="50000"/>
+            </a:schemeClr>
+          </a:lnRef>
+          <a:fillRef idx="1">
+            <a:schemeClr val="accent1"/>
+          </a:fillRef>
+          <a:effectRef idx="0">
+            <a:schemeClr val="accent1"/>
+          </a:effectRef>
+          <a:fontRef idx="minor">
+            <a:schemeClr val="lt1"/>
+          </a:fontRef>
+        </p:style>
+        <p:txBody>
+          <a:bodyPr rtlCol="0" anchor="ctr"/>
+          <a:lstStyle/>
+          <a:p>
+            <a:pPr algn="ctr"/>
+            <a:endParaRPr lang="en-US"/>
+          </a:p>
+        </p:txBody>
+      </p:sp>
+      <p:sp>
+        <p:nvSpPr>
+          <p:cNvPr id="3" name="Rectangle 2">
+            <a:extLst>
+              <a:ext uri="{FF2B5EF4-FFF2-40B4-BE49-F238E27FC236}">
+                <a16:creationId xmlns:a16="http://schemas.microsoft.com/office/drawing/2014/main" id="{6A93F13C-3A12-4EFC-A576-B2CB4AD7EA81}"/>
+              </a:ext>
+            </a:extLst>
+          </p:cNvPr>
+          <p:cNvSpPr/>
+          <p:nvPr/>
+        </p:nvSpPr>
+        <p:spPr>
+          <a:xfrm>
+            <a:off x="0" y="6075680"/>
+            <a:ext cx="3474720" cy="741668"/>
+          </a:xfrm>
+          <a:prstGeom prst="rect">
+            <a:avLst/>
+          </a:prstGeom>
+          <a:solidFill>
+            <a:schemeClr val="bg2">
+              <a:lumMod val="75000"/>
+            </a:schemeClr>
+          </a:solidFill>
+        </p:spPr>
+        <p:style>
+          <a:lnRef idx="2">
+            <a:schemeClr val="accent1">
+              <a:shade val="50000"/>
+            </a:schemeClr>
+          </a:lnRef>
+          <a:fillRef idx="1">
+            <a:schemeClr val="accent1"/>
+          </a:fillRef>
+          <a:effectRef idx="0">
+            <a:schemeClr val="accent1"/>
+          </a:effectRef>
+          <a:fontRef idx="minor">
+            <a:schemeClr val="lt1"/>
+          </a:fontRef>
+        </p:style>
+        <p:txBody>
+          <a:bodyPr rtlCol="0" anchor="ctr"/>
+          <a:lstStyle/>
+          <a:p>
+            <a:pPr algn="ctr"/>
+            <a:endParaRPr lang="en-US"/>
+          </a:p>
+        </p:txBody>
+      </p:sp>
+      <p:sp>
+        <p:nvSpPr>
+          <p:cNvPr id="4" name="Rectangle 3">
+            <a:extLst>
+              <a:ext uri="{FF2B5EF4-FFF2-40B4-BE49-F238E27FC236}">
+                <a16:creationId xmlns:a16="http://schemas.microsoft.com/office/drawing/2014/main" id="{B7FDE1A6-B2C9-4183-821D-1E0544E81F75}"/>
+              </a:ext>
+            </a:extLst>
+          </p:cNvPr>
+          <p:cNvSpPr/>
+          <p:nvPr/>
+        </p:nvSpPr>
+        <p:spPr>
+          <a:xfrm>
+            <a:off x="3677920" y="6075680"/>
+            <a:ext cx="8514079" cy="741668"/>
+          </a:xfrm>
+          <a:prstGeom prst="rect">
+            <a:avLst/>
+          </a:prstGeom>
+          <a:solidFill>
+            <a:schemeClr val="accent3">
+              <a:lumMod val="60000"/>
+              <a:lumOff val="40000"/>
+            </a:schemeClr>
+          </a:solidFill>
+        </p:spPr>
+        <p:style>
+          <a:lnRef idx="2">
+            <a:schemeClr val="accent1">
+              <a:shade val="50000"/>
+            </a:schemeClr>
+          </a:lnRef>
+          <a:fillRef idx="1">
+            <a:schemeClr val="accent1"/>
+          </a:fillRef>
+          <a:effectRef idx="0">
+            <a:schemeClr val="accent1"/>
+          </a:effectRef>
+          <a:fontRef idx="minor">
+            <a:schemeClr val="lt1"/>
+          </a:fontRef>
+        </p:style>
+        <p:txBody>
+          <a:bodyPr rtlCol="0" anchor="ctr"/>
+          <a:lstStyle/>
+          <a:p>
+            <a:pPr algn="ctr"/>
+            <a:endParaRPr lang="en-US"/>
+          </a:p>
+        </p:txBody>
+      </p:sp>
+      <p:sp>
+        <p:nvSpPr>
+          <p:cNvPr id="12" name="TextBox 11">
+            <a:extLst>
+              <a:ext uri="{FF2B5EF4-FFF2-40B4-BE49-F238E27FC236}">
+                <a16:creationId xmlns:a16="http://schemas.microsoft.com/office/drawing/2014/main" id="{BD6914E7-3054-4B5B-8708-24E7F375F40A}"/>
+              </a:ext>
+            </a:extLst>
+          </p:cNvPr>
+          <p:cNvSpPr txBox="1"/>
+          <p:nvPr/>
+        </p:nvSpPr>
+        <p:spPr>
+          <a:xfrm flipH="1">
+            <a:off x="147318" y="6272958"/>
+            <a:ext cx="431801" cy="369332"/>
+          </a:xfrm>
+          <a:prstGeom prst="rect">
+            <a:avLst/>
+          </a:prstGeom>
+          <a:noFill/>
+        </p:spPr>
+        <p:txBody>
+          <a:bodyPr wrap="square" rtlCol="0">
+            <a:spAutoFit/>
+          </a:bodyPr>
+          <a:lstStyle/>
+          <a:p>
+            <a:r>
+              <a:rPr lang="en-US" dirty="0">
+                <a:latin typeface="Times New Roman" panose="02020603050405020304" pitchFamily="18" charset="0"/>
+                <a:cs typeface="Times New Roman" panose="02020603050405020304" pitchFamily="18" charset="0"/>
+              </a:rPr>
               <a:t>13</a:t>
             </a:r>
           </a:p>
@@ -8000,7 +9380,7 @@
 </p:sld>
 </file>
 
-<file path=ppt/slides/slide14.xml><?xml version="1.0" encoding="utf-8"?>
+<file path=ppt/slides/slide15.xml><?xml version="1.0" encoding="utf-8"?>
 <p:sld xmlns:a="http://schemas.openxmlformats.org/drawingml/2006/main" xmlns:r="http://schemas.openxmlformats.org/officeDocument/2006/relationships" xmlns:p="http://schemas.openxmlformats.org/presentationml/2006/main">
   <p:cSld>
     <p:bg>
@@ -14817,7 +16197,31 @@
                 <a:ea typeface="Calibri" panose="020F0502020204030204" pitchFamily="34" charset="0"/>
                 <a:cs typeface="Times New Roman" panose="02020603050405020304" pitchFamily="18" charset="0"/>
               </a:rPr>
-              <a:t>Dr. John Talburt, Jr, IQCP, 123-1/2 N. Oak Street, Apt 3A, Little Rock, ARK 72203-4352</a:t>
+              <a:t>Dr. John </a:t>
+            </a:r>
+            <a:r>
+              <a:rPr lang="en-US" sz="2400" dirty="0" err="1">
+                <a:solidFill>
+                  <a:schemeClr val="bg1"/>
+                </a:solidFill>
+                <a:effectLst/>
+                <a:latin typeface="Times New Roman" panose="02020603050405020304" pitchFamily="18" charset="0"/>
+                <a:ea typeface="Calibri" panose="020F0502020204030204" pitchFamily="34" charset="0"/>
+                <a:cs typeface="Times New Roman" panose="02020603050405020304" pitchFamily="18" charset="0"/>
+              </a:rPr>
+              <a:t>Talburt</a:t>
+            </a:r>
+            <a:r>
+              <a:rPr lang="en-US" sz="2400" dirty="0">
+                <a:solidFill>
+                  <a:schemeClr val="bg1"/>
+                </a:solidFill>
+                <a:effectLst/>
+                <a:latin typeface="Times New Roman" panose="02020603050405020304" pitchFamily="18" charset="0"/>
+                <a:ea typeface="Calibri" panose="020F0502020204030204" pitchFamily="34" charset="0"/>
+                <a:cs typeface="Times New Roman" panose="02020603050405020304" pitchFamily="18" charset="0"/>
+              </a:rPr>
+              <a:t>, Jr, IQCP, 123-1/2 N. Oak Street, Apt 3A, Little Rock, ARK 72203-4352</a:t>
             </a:r>
             <a:endParaRPr lang="en-IN" sz="2400" dirty="0">
               <a:solidFill>
